--- a/מצגת אושר ורון.pptx
+++ b/מצגת אושר ורון.pptx
@@ -17,6 +17,7 @@
     <p:sldId id="267" r:id="rId11"/>
     <p:sldId id="258" r:id="rId12"/>
     <p:sldId id="268" r:id="rId13"/>
+    <p:sldId id="269" r:id="rId14"/>
   </p:sldIdLst>
   <p:sldSz cx="12192000" cy="6858000"/>
   <p:notesSz cx="6858000" cy="9144000"/>
@@ -16262,7 +16263,7 @@
           <a:p>
             <a:fld id="{E7F6A1D9-D323-4F4E-8655-25E2D32CE742}" type="datetime1">
               <a:rPr lang="en-US" smtClean="0"/>
-              <a:t>1/22/2025</a:t>
+              <a:t>1/31/2025</a:t>
             </a:fld>
             <a:endParaRPr lang="en-US"/>
           </a:p>
@@ -16434,7 +16435,7 @@
           <a:p>
             <a:fld id="{E7F6A1D9-D323-4F4E-8655-25E2D32CE742}" type="datetime1">
               <a:rPr lang="en-US" smtClean="0"/>
-              <a:t>1/22/2025</a:t>
+              <a:t>1/31/2025</a:t>
             </a:fld>
             <a:endParaRPr lang="en-US"/>
           </a:p>
@@ -16616,7 +16617,7 @@
           <a:p>
             <a:fld id="{E7F6A1D9-D323-4F4E-8655-25E2D32CE742}" type="datetime1">
               <a:rPr lang="en-US" smtClean="0"/>
-              <a:t>1/22/2025</a:t>
+              <a:t>1/31/2025</a:t>
             </a:fld>
             <a:endParaRPr lang="en-US"/>
           </a:p>
@@ -16788,7 +16789,7 @@
           <a:p>
             <a:fld id="{E7F6A1D9-D323-4F4E-8655-25E2D32CE742}" type="datetime1">
               <a:rPr lang="en-US" smtClean="0"/>
-              <a:t>1/22/2025</a:t>
+              <a:t>1/31/2025</a:t>
             </a:fld>
             <a:endParaRPr lang="en-US"/>
           </a:p>
@@ -17058,7 +17059,7 @@
           <a:p>
             <a:fld id="{E7F6A1D9-D323-4F4E-8655-25E2D32CE742}" type="datetime1">
               <a:rPr lang="en-US" smtClean="0"/>
-              <a:t>1/22/2025</a:t>
+              <a:t>1/31/2025</a:t>
             </a:fld>
             <a:endParaRPr lang="en-US"/>
           </a:p>
@@ -17292,7 +17293,7 @@
           <a:p>
             <a:fld id="{E7F6A1D9-D323-4F4E-8655-25E2D32CE742}" type="datetime1">
               <a:rPr lang="en-US" smtClean="0"/>
-              <a:t>1/22/2025</a:t>
+              <a:t>1/31/2025</a:t>
             </a:fld>
             <a:endParaRPr lang="en-US"/>
           </a:p>
@@ -17653,7 +17654,7 @@
           <a:p>
             <a:fld id="{E7F6A1D9-D323-4F4E-8655-25E2D32CE742}" type="datetime1">
               <a:rPr lang="en-US" smtClean="0"/>
-              <a:t>1/22/2025</a:t>
+              <a:t>1/31/2025</a:t>
             </a:fld>
             <a:endParaRPr lang="en-US"/>
           </a:p>
@@ -17796,7 +17797,7 @@
           <a:p>
             <a:fld id="{E7F6A1D9-D323-4F4E-8655-25E2D32CE742}" type="datetime1">
               <a:rPr lang="en-US" smtClean="0"/>
-              <a:t>1/22/2025</a:t>
+              <a:t>1/31/2025</a:t>
             </a:fld>
             <a:endParaRPr lang="en-US"/>
           </a:p>
@@ -17893,7 +17894,7 @@
           <a:p>
             <a:fld id="{E7F6A1D9-D323-4F4E-8655-25E2D32CE742}" type="datetime1">
               <a:rPr lang="en-US" smtClean="0"/>
-              <a:t>1/22/2025</a:t>
+              <a:t>1/31/2025</a:t>
             </a:fld>
             <a:endParaRPr lang="en-US"/>
           </a:p>
@@ -18252,7 +18253,7 @@
           <a:p>
             <a:fld id="{E7F6A1D9-D323-4F4E-8655-25E2D32CE742}" type="datetime1">
               <a:rPr lang="en-US" smtClean="0"/>
-              <a:t>1/22/2025</a:t>
+              <a:t>1/31/2025</a:t>
             </a:fld>
             <a:endParaRPr lang="en-US"/>
           </a:p>
@@ -18611,7 +18612,7 @@
           <a:p>
             <a:fld id="{E7F6A1D9-D323-4F4E-8655-25E2D32CE742}" type="datetime1">
               <a:rPr lang="en-US" smtClean="0"/>
-              <a:t>1/22/2025</a:t>
+              <a:t>1/31/2025</a:t>
             </a:fld>
             <a:endParaRPr lang="en-US"/>
           </a:p>
@@ -18855,7 +18856,7 @@
           <a:p>
             <a:fld id="{E7F6A1D9-D323-4F4E-8655-25E2D32CE742}" type="datetime1">
               <a:rPr lang="en-US" smtClean="0"/>
-              <a:t>1/22/2025</a:t>
+              <a:t>1/31/2025</a:t>
             </a:fld>
             <a:endParaRPr lang="en-US"/>
           </a:p>
@@ -23894,6 +23895,173 @@
         </a:graphic>
       </p:graphicFrame>
     </p:spTree>
+  </p:cSld>
+  <p:clrMapOvr>
+    <a:masterClrMapping/>
+  </p:clrMapOvr>
+</p:sld>
+</file>
+
+<file path=ppt/slides/slide13.xml><?xml version="1.0" encoding="utf-8"?>
+<p:sld xmlns:a="http://schemas.openxmlformats.org/drawingml/2006/main" xmlns:r="http://schemas.openxmlformats.org/officeDocument/2006/relationships" xmlns:p="http://schemas.openxmlformats.org/presentationml/2006/main">
+  <p:cSld>
+    <p:bg>
+      <p:bgPr>
+        <a:solidFill>
+          <a:schemeClr val="bg1">
+            <a:lumMod val="95000"/>
+          </a:schemeClr>
+        </a:solidFill>
+        <a:effectLst/>
+      </p:bgPr>
+    </p:bg>
+    <p:spTree>
+      <p:nvGrpSpPr>
+        <p:cNvPr id="1" name="">
+          <a:extLst>
+            <a:ext uri="{FF2B5EF4-FFF2-40B4-BE49-F238E27FC236}">
+              <a16:creationId xmlns:a16="http://schemas.microsoft.com/office/drawing/2014/main" id="{0D2A5F6D-2AC7-D813-0296-C5E3D811CFA5}"/>
+            </a:ext>
+          </a:extLst>
+        </p:cNvPr>
+        <p:cNvGrpSpPr/>
+        <p:nvPr/>
+      </p:nvGrpSpPr>
+      <p:grpSpPr>
+        <a:xfrm>
+          <a:off x="0" y="0"/>
+          <a:ext cx="0" cy="0"/>
+          <a:chOff x="0" y="0"/>
+          <a:chExt cx="0" cy="0"/>
+        </a:xfrm>
+      </p:grpSpPr>
+      <p:sp>
+        <p:nvSpPr>
+          <p:cNvPr id="2" name="Title 1">
+            <a:extLst>
+              <a:ext uri="{FF2B5EF4-FFF2-40B4-BE49-F238E27FC236}">
+                <a16:creationId xmlns:a16="http://schemas.microsoft.com/office/drawing/2014/main" id="{6CE90416-321C-0C00-12A2-4055965EE749}"/>
+              </a:ext>
+            </a:extLst>
+          </p:cNvPr>
+          <p:cNvSpPr>
+            <a:spLocks noGrp="1"/>
+          </p:cNvSpPr>
+          <p:nvPr>
+            <p:ph type="title"/>
+          </p:nvPr>
+        </p:nvSpPr>
+        <p:spPr>
+          <a:xfrm>
+            <a:off x="2231136" y="964692"/>
+            <a:ext cx="7729728" cy="1188720"/>
+          </a:xfrm>
+        </p:spPr>
+        <p:txBody>
+          <a:bodyPr>
+            <a:normAutofit/>
+          </a:bodyPr>
+          <a:lstStyle/>
+          <a:p>
+            <a:r>
+              <a:rPr lang="en-US" sz="4400" dirty="0"/>
+              <a:t>links</a:t>
+            </a:r>
+          </a:p>
+        </p:txBody>
+      </p:sp>
+      <p:sp>
+        <p:nvSpPr>
+          <p:cNvPr id="4" name="מציין מיקום תוכן 3">
+            <a:extLst>
+              <a:ext uri="{FF2B5EF4-FFF2-40B4-BE49-F238E27FC236}">
+                <a16:creationId xmlns:a16="http://schemas.microsoft.com/office/drawing/2014/main" id="{F55E6470-A12B-6148-CCF2-CA9BBE4C3405}"/>
+              </a:ext>
+            </a:extLst>
+          </p:cNvPr>
+          <p:cNvSpPr>
+            <a:spLocks noGrp="1"/>
+          </p:cNvSpPr>
+          <p:nvPr>
+            <p:ph idx="1"/>
+          </p:nvPr>
+        </p:nvSpPr>
+        <p:spPr/>
+        <p:txBody>
+          <a:bodyPr/>
+          <a:lstStyle/>
+          <a:p>
+            <a:pPr algn="l" rtl="0"/>
+            <a:r>
+              <a:rPr lang="en-US" dirty="0"/>
+              <a:t>Git repository:</a:t>
+            </a:r>
+            <a:br>
+              <a:rPr lang="en-US" dirty="0"/>
+            </a:br>
+            <a:br>
+              <a:rPr lang="en-US" dirty="0"/>
+            </a:br>
+            <a:r>
+              <a:rPr lang="en-US" dirty="0">
+                <a:hlinkClick r:id="rId2"/>
+              </a:rPr>
+              <a:t>https://github.com/RonAssa10/IOT_Smart_Electric</a:t>
+            </a:r>
+            <a:r>
+              <a:rPr lang="en-US">
+                <a:hlinkClick r:id="rId2"/>
+              </a:rPr>
+              <a:t>_Heater</a:t>
+            </a:r>
+            <a:endParaRPr lang="en-US"/>
+          </a:p>
+          <a:p>
+            <a:pPr algn="l" rtl="0"/>
+            <a:endParaRPr lang="en-US" dirty="0"/>
+          </a:p>
+          <a:p>
+            <a:pPr algn="l" rtl="0"/>
+            <a:endParaRPr lang="en-US" dirty="0"/>
+          </a:p>
+          <a:p>
+            <a:pPr algn="l" rtl="0"/>
+            <a:r>
+              <a:rPr lang="en-US" dirty="0"/>
+              <a:t>Video link:</a:t>
+            </a:r>
+            <a:br>
+              <a:rPr lang="en-US" dirty="0"/>
+            </a:br>
+            <a:br>
+              <a:rPr lang="en-US" dirty="0"/>
+            </a:br>
+            <a:r>
+              <a:rPr lang="en-US" dirty="0">
+                <a:hlinkClick r:id="rId3"/>
+              </a:rPr>
+              <a:t>https://youtu.be/_IEg9IiodOo</a:t>
+            </a:r>
+            <a:endParaRPr lang="en-US" dirty="0"/>
+          </a:p>
+          <a:p>
+            <a:pPr algn="l" rtl="0"/>
+            <a:endParaRPr lang="en-US" dirty="0"/>
+          </a:p>
+          <a:p>
+            <a:pPr marL="0" indent="0" algn="l" rtl="0">
+              <a:buNone/>
+            </a:pPr>
+            <a:endParaRPr lang="he-IL" dirty="0"/>
+          </a:p>
+        </p:txBody>
+      </p:sp>
+    </p:spTree>
+    <p:extLst>
+      <p:ext uri="{BB962C8B-B14F-4D97-AF65-F5344CB8AC3E}">
+        <p14:creationId xmlns:p14="http://schemas.microsoft.com/office/powerpoint/2010/main" val="3232351122"/>
+      </p:ext>
+    </p:extLst>
   </p:cSld>
   <p:clrMapOvr>
     <a:masterClrMapping/>
